--- a/01_Document/04_Follow-up intents/Follow-up intents.pptx
+++ b/01_Document/04_Follow-up intents/Follow-up intents.pptx
@@ -4059,7 +4059,7 @@
       </p:grpSpPr>
       <p:sp>
         <p:nvSpPr>
-          <p:cNvPr id="230" name="フローチャート: 処理 30">
+          <p:cNvPr id="229" name="フローチャート: 処理 30">
             <a:extLst>
               <a:ext uri="{FF2B5EF4-FFF2-40B4-BE49-F238E27FC236}">
                 <a16:creationId xmlns:a16="http://schemas.microsoft.com/office/drawing/2014/main" id="{3ABDF041-D171-47D0-AB95-B01F695FD054}"/>
@@ -4071,8 +4071,8 @@
         </p:nvSpPr>
         <p:spPr>
           <a:xfrm>
-            <a:off x="10526668" y="2264115"/>
-            <a:ext cx="915707" cy="569881"/>
+            <a:off x="8437018" y="1523603"/>
+            <a:ext cx="3005357" cy="1359667"/>
           </a:xfrm>
           <a:prstGeom prst="flowChartProcess">
             <a:avLst/>
@@ -4085,62 +4085,7 @@
           </a:solidFill>
           <a:ln>
             <a:solidFill>
-              <a:srgbClr val="7030A0"/>
-            </a:solidFill>
-          </a:ln>
-        </p:spPr>
-        <p:style>
-          <a:lnRef idx="2">
-            <a:schemeClr val="accent3"/>
-          </a:lnRef>
-          <a:fillRef idx="1">
-            <a:schemeClr val="lt1"/>
-          </a:fillRef>
-          <a:effectRef idx="0">
-            <a:schemeClr val="accent3"/>
-          </a:effectRef>
-          <a:fontRef idx="minor">
-            <a:schemeClr val="dk1"/>
-          </a:fontRef>
-        </p:style>
-        <p:txBody>
-          <a:bodyPr rtlCol="0" anchor="ctr"/>
-          <a:lstStyle/>
-          <a:p>
-            <a:pPr algn="ctr"/>
-            <a:endParaRPr kumimoji="1" lang="ja-JP" altLang="en-US"/>
-          </a:p>
-        </p:txBody>
-      </p:sp>
-      <p:sp>
-        <p:nvSpPr>
-          <p:cNvPr id="229" name="フローチャート: 処理 30">
-            <a:extLst>
-              <a:ext uri="{FF2B5EF4-FFF2-40B4-BE49-F238E27FC236}">
-                <a16:creationId xmlns:a16="http://schemas.microsoft.com/office/drawing/2014/main" id="{3ABDF041-D171-47D0-AB95-B01F695FD054}"/>
-              </a:ext>
-            </a:extLst>
-          </p:cNvPr>
-          <p:cNvSpPr/>
-          <p:nvPr/>
-        </p:nvSpPr>
-        <p:spPr>
-          <a:xfrm>
-            <a:off x="10526668" y="1617124"/>
-            <a:ext cx="915707" cy="569881"/>
-          </a:xfrm>
-          <a:prstGeom prst="flowChartProcess">
-            <a:avLst/>
-          </a:prstGeom>
-          <a:solidFill>
-            <a:schemeClr val="accent4">
-              <a:lumMod val="20000"/>
-              <a:lumOff val="80000"/>
-            </a:schemeClr>
-          </a:solidFill>
-          <a:ln>
-            <a:solidFill>
-              <a:srgbClr val="7030A0"/>
+              <a:schemeClr val="accent4"/>
             </a:solidFill>
           </a:ln>
         </p:spPr>
@@ -5154,7 +5099,7 @@
         </p:nvSpPr>
         <p:spPr>
           <a:xfrm>
-            <a:off x="6796202" y="1583917"/>
+            <a:off x="6796202" y="1879190"/>
             <a:ext cx="949172" cy="648494"/>
           </a:xfrm>
           <a:prstGeom prst="flowChartDecision">
@@ -5310,8 +5255,8 @@
         </p:nvCxnSpPr>
         <p:spPr>
           <a:xfrm>
-            <a:off x="7270787" y="1396495"/>
-            <a:ext cx="1" cy="187422"/>
+            <a:off x="7270788" y="1396495"/>
+            <a:ext cx="0" cy="482695"/>
           </a:xfrm>
           <a:prstGeom prst="straightConnector1">
             <a:avLst/>
@@ -5340,88 +5285,6 @@
           </a:fontRef>
         </p:style>
       </p:cxnSp>
-      <p:cxnSp>
-        <p:nvCxnSpPr>
-          <p:cNvPr id="140" name="直接箭头连接符 139"/>
-          <p:cNvCxnSpPr>
-            <a:stCxn id="136" idx="3"/>
-            <a:endCxn id="142" idx="1"/>
-          </p:cNvCxnSpPr>
-          <p:nvPr/>
-        </p:nvCxnSpPr>
-        <p:spPr>
-          <a:xfrm>
-            <a:off x="7745374" y="1908164"/>
-            <a:ext cx="691644" cy="1"/>
-          </a:xfrm>
-          <a:prstGeom prst="straightConnector1">
-            <a:avLst/>
-          </a:prstGeom>
-          <a:ln>
-            <a:solidFill>
-              <a:schemeClr val="bg1">
-                <a:lumMod val="65000"/>
-              </a:schemeClr>
-            </a:solidFill>
-            <a:tailEnd type="triangle"/>
-          </a:ln>
-        </p:spPr>
-        <p:style>
-          <a:lnRef idx="1">
-            <a:schemeClr val="accent1"/>
-          </a:lnRef>
-          <a:fillRef idx="0">
-            <a:schemeClr val="accent1"/>
-          </a:fillRef>
-          <a:effectRef idx="0">
-            <a:schemeClr val="accent1"/>
-          </a:effectRef>
-          <a:fontRef idx="minor">
-            <a:schemeClr val="tx1"/>
-          </a:fontRef>
-        </p:style>
-      </p:cxnSp>
-      <p:cxnSp>
-        <p:nvCxnSpPr>
-          <p:cNvPr id="141" name="肘形连接符 140"/>
-          <p:cNvCxnSpPr>
-            <a:stCxn id="136" idx="2"/>
-            <a:endCxn id="149" idx="1"/>
-          </p:cNvCxnSpPr>
-          <p:nvPr/>
-        </p:nvCxnSpPr>
-        <p:spPr>
-          <a:xfrm rot="16200000" flipH="1">
-            <a:off x="7699727" y="1803471"/>
-            <a:ext cx="316557" cy="1174435"/>
-          </a:xfrm>
-          <a:prstGeom prst="bentConnector2">
-            <a:avLst/>
-          </a:prstGeom>
-          <a:ln>
-            <a:solidFill>
-              <a:schemeClr val="bg1">
-                <a:lumMod val="75000"/>
-              </a:schemeClr>
-            </a:solidFill>
-            <a:tailEnd type="triangle"/>
-          </a:ln>
-        </p:spPr>
-        <p:style>
-          <a:lnRef idx="1">
-            <a:schemeClr val="accent1"/>
-          </a:lnRef>
-          <a:fillRef idx="0">
-            <a:schemeClr val="accent1"/>
-          </a:fillRef>
-          <a:effectRef idx="0">
-            <a:schemeClr val="accent1"/>
-          </a:effectRef>
-          <a:fontRef idx="minor">
-            <a:schemeClr val="tx1"/>
-          </a:fontRef>
-        </p:style>
-      </p:cxnSp>
       <p:sp>
         <p:nvSpPr>
           <p:cNvPr id="142" name="フローチャート: 処理 14">
@@ -5436,8 +5299,8 @@
         </p:nvSpPr>
         <p:spPr>
           <a:xfrm>
-            <a:off x="8437018" y="1722480"/>
-            <a:ext cx="2313713" cy="371370"/>
+            <a:off x="8577815" y="1896835"/>
+            <a:ext cx="2103375" cy="371370"/>
           </a:xfrm>
           <a:prstGeom prst="flowChartProcess">
             <a:avLst/>
@@ -5467,7 +5330,14 @@
           <a:lstStyle/>
           <a:p>
             <a:pPr algn="ctr"/>
-            <a:endParaRPr kumimoji="1" lang="ja-JP" altLang="en-US"/>
+            <a:r>
+              <a:rPr lang="en-US" altLang="ja-JP" sz="1400" dirty="0"/>
+              <a:t>CEO</a:t>
+            </a:r>
+            <a:r>
+              <a:rPr lang="ja-JP" altLang="en-US" sz="1400" dirty="0"/>
+              <a:t>について</a:t>
+            </a:r>
           </a:p>
         </p:txBody>
       </p:sp>
@@ -5485,8 +5355,8 @@
         </p:nvSpPr>
         <p:spPr>
           <a:xfrm>
-            <a:off x="8445223" y="2363283"/>
-            <a:ext cx="2313713" cy="371370"/>
+            <a:off x="8586020" y="2388788"/>
+            <a:ext cx="2103375" cy="371370"/>
           </a:xfrm>
           <a:prstGeom prst="flowChartProcess">
             <a:avLst/>
@@ -5516,7 +5386,14 @@
           <a:lstStyle/>
           <a:p>
             <a:pPr algn="ctr"/>
-            <a:endParaRPr kumimoji="1" lang="ja-JP" altLang="en-US"/>
+            <a:r>
+              <a:rPr lang="en-US" altLang="ja-JP" sz="1400" dirty="0"/>
+              <a:t>Azest</a:t>
+            </a:r>
+            <a:r>
+              <a:rPr lang="ja-JP" altLang="en-US" sz="1400" dirty="0"/>
+              <a:t>について</a:t>
+            </a:r>
           </a:p>
         </p:txBody>
       </p:sp>
@@ -5580,8 +5457,8 @@
         </p:nvCxnSpPr>
         <p:spPr>
           <a:xfrm rot="10800000" flipH="1" flipV="1">
-            <a:off x="6796202" y="1908164"/>
-            <a:ext cx="1640816" cy="3954100"/>
+            <a:off x="6796202" y="2203436"/>
+            <a:ext cx="1640816" cy="3658827"/>
           </a:xfrm>
           <a:prstGeom prst="bentConnector3">
             <a:avLst>
@@ -5664,8 +5541,8 @@
         </p:nvCxnSpPr>
         <p:spPr>
           <a:xfrm rot="16200000" flipH="1">
-            <a:off x="7190005" y="2313195"/>
-            <a:ext cx="1312501" cy="1150935"/>
+            <a:off x="7337641" y="2460831"/>
+            <a:ext cx="1017228" cy="1150934"/>
           </a:xfrm>
           <a:prstGeom prst="bentConnector2">
             <a:avLst/>
@@ -5705,8 +5582,8 @@
         </p:nvCxnSpPr>
         <p:spPr>
           <a:xfrm rot="16200000" flipH="1">
-            <a:off x="6514837" y="2988361"/>
-            <a:ext cx="2652906" cy="1141005"/>
+            <a:off x="6662474" y="3135997"/>
+            <a:ext cx="2357633" cy="1141005"/>
           </a:xfrm>
           <a:prstGeom prst="bentConnector2">
             <a:avLst/>
@@ -6636,7 +6513,7 @@
         </p:nvSpPr>
         <p:spPr>
           <a:xfrm>
-            <a:off x="11099761" y="1797126"/>
+            <a:off x="11099761" y="1971481"/>
             <a:ext cx="187788" cy="209875"/>
           </a:xfrm>
           <a:prstGeom prst="flowChartProcess">
@@ -6685,7 +6562,7 @@
         </p:nvSpPr>
         <p:spPr>
           <a:xfrm>
-            <a:off x="11099761" y="2444029"/>
+            <a:off x="11099761" y="2469534"/>
             <a:ext cx="187788" cy="209875"/>
           </a:xfrm>
           <a:prstGeom prst="flowChartProcess">
@@ -6731,8 +6608,8 @@
         </p:nvCxnSpPr>
         <p:spPr>
           <a:xfrm flipV="1">
-            <a:off x="10750731" y="1902064"/>
-            <a:ext cx="349030" cy="6101"/>
+            <a:off x="10681190" y="2076419"/>
+            <a:ext cx="418571" cy="6101"/>
           </a:xfrm>
           <a:prstGeom prst="straightConnector1">
             <a:avLst/>
@@ -6772,8 +6649,8 @@
         </p:nvCxnSpPr>
         <p:spPr>
           <a:xfrm flipV="1">
-            <a:off x="10758936" y="2548967"/>
-            <a:ext cx="340825" cy="1"/>
+            <a:off x="10689395" y="2574472"/>
+            <a:ext cx="410366" cy="1"/>
           </a:xfrm>
           <a:prstGeom prst="straightConnector1">
             <a:avLst/>
@@ -6825,7 +6702,7 @@
           <a:lstStyle/>
           <a:p>
             <a:r>
-              <a:rPr kumimoji="1" lang="en-US" altLang="ja-JP" sz="1400" i="1" u="sng" dirty="0" smtClean="0"/>
+              <a:rPr kumimoji="1" lang="en-US" altLang="ja-JP" sz="1400" i="1" u="sng" dirty="0"/>
               <a:t>Yes</a:t>
             </a:r>
             <a:endParaRPr kumimoji="1" lang="ja-JP" altLang="en-US" sz="1400" i="1" u="sng" dirty="0"/>
@@ -6855,7 +6732,7 @@
           <a:lstStyle/>
           <a:p>
             <a:r>
-              <a:rPr kumimoji="1" lang="en-US" altLang="ja-JP" sz="1400" i="1" u="sng" dirty="0" smtClean="0"/>
+              <a:rPr kumimoji="1" lang="en-US" altLang="ja-JP" sz="1400" i="1" u="sng" dirty="0"/>
               <a:t>Yes</a:t>
             </a:r>
             <a:endParaRPr kumimoji="1" lang="ja-JP" altLang="en-US" sz="1400" i="1" u="sng" dirty="0"/>
@@ -6885,7 +6762,7 @@
           <a:lstStyle/>
           <a:p>
             <a:r>
-              <a:rPr kumimoji="1" lang="en-US" altLang="ja-JP" sz="1400" i="1" u="sng" dirty="0" smtClean="0"/>
+              <a:rPr kumimoji="1" lang="en-US" altLang="ja-JP" sz="1400" i="1" u="sng" dirty="0"/>
               <a:t>Yes</a:t>
             </a:r>
             <a:endParaRPr kumimoji="1" lang="ja-JP" altLang="en-US" sz="1400" i="1" u="sng" dirty="0"/>
@@ -6915,7 +6792,7 @@
           <a:lstStyle/>
           <a:p>
             <a:r>
-              <a:rPr kumimoji="1" lang="en-US" altLang="ja-JP" sz="1400" i="1" u="sng" dirty="0" smtClean="0"/>
+              <a:rPr kumimoji="1" lang="en-US" altLang="ja-JP" sz="1400" i="1" u="sng" dirty="0"/>
               <a:t>No</a:t>
             </a:r>
             <a:endParaRPr kumimoji="1" lang="ja-JP" altLang="en-US" sz="1400" i="1" u="sng" dirty="0"/>
@@ -6945,7 +6822,7 @@
           <a:lstStyle/>
           <a:p>
             <a:r>
-              <a:rPr kumimoji="1" lang="en-US" altLang="ja-JP" sz="1400" i="1" u="sng" dirty="0" smtClean="0"/>
+              <a:rPr kumimoji="1" lang="en-US" altLang="ja-JP" sz="1400" i="1" u="sng" dirty="0"/>
               <a:t>No</a:t>
             </a:r>
             <a:endParaRPr kumimoji="1" lang="ja-JP" altLang="en-US" sz="1400" i="1" u="sng" dirty="0"/>
@@ -6975,7 +6852,7 @@
           <a:lstStyle/>
           <a:p>
             <a:r>
-              <a:rPr kumimoji="1" lang="en-US" altLang="ja-JP" sz="1400" i="1" u="sng" dirty="0" smtClean="0"/>
+              <a:rPr kumimoji="1" lang="en-US" altLang="ja-JP" sz="1400" i="1" u="sng" dirty="0"/>
               <a:t>No</a:t>
             </a:r>
             <a:endParaRPr kumimoji="1" lang="ja-JP" altLang="en-US" sz="1400" i="1" u="sng" dirty="0"/>
@@ -7005,27 +6882,26 @@
           <a:lstStyle/>
           <a:p>
             <a:r>
-              <a:rPr kumimoji="1" lang="en-US" altLang="ja-JP" sz="1400" i="1" u="sng" dirty="0" smtClean="0"/>
+              <a:rPr kumimoji="1" lang="en-US" altLang="ja-JP" sz="1400" i="1" u="sng" dirty="0"/>
               <a:t>CEO</a:t>
             </a:r>
             <a:r>
-              <a:rPr kumimoji="1" lang="ja-JP" altLang="en-US" sz="1400" i="1" u="sng" dirty="0" smtClean="0"/>
+              <a:rPr kumimoji="1" lang="ja-JP" altLang="en-US" sz="1400" i="1" u="sng" dirty="0"/>
               <a:t>について</a:t>
             </a:r>
-            <a:endParaRPr kumimoji="1" lang="ja-JP" altLang="en-US" sz="1400" i="1" u="sng" dirty="0"/>
-          </a:p>
-        </p:txBody>
-      </p:sp>
-      <p:sp>
-        <p:nvSpPr>
-          <p:cNvPr id="248" name="文本框 247"/>
+          </a:p>
+        </p:txBody>
+      </p:sp>
+      <p:sp>
+        <p:nvSpPr>
+          <p:cNvPr id="249" name="文本框 248"/>
           <p:cNvSpPr txBox="1"/>
           <p:nvPr/>
         </p:nvSpPr>
         <p:spPr>
           <a:xfrm>
-            <a:off x="8944586" y="1747001"/>
-            <a:ext cx="1266693" cy="307777"/>
+            <a:off x="3239212" y="3745192"/>
+            <a:ext cx="1358064" cy="307777"/>
           </a:xfrm>
           <a:prstGeom prst="rect">
             <a:avLst/>
@@ -7039,26 +6915,25 @@
           <a:lstStyle/>
           <a:p>
             <a:r>
-              <a:rPr kumimoji="1" lang="en-US" altLang="ja-JP" sz="1400" i="1" u="sng" dirty="0" smtClean="0"/>
-              <a:t>CEO</a:t>
-            </a:r>
-            <a:r>
-              <a:rPr kumimoji="1" lang="ja-JP" altLang="en-US" sz="1400" i="1" u="sng" dirty="0" smtClean="0"/>
+              <a:rPr kumimoji="1" lang="en-US" altLang="ja-JP" sz="1400" i="1" u="sng" dirty="0"/>
+              <a:t>Azest</a:t>
+            </a:r>
+            <a:r>
+              <a:rPr kumimoji="1" lang="ja-JP" altLang="en-US" sz="1400" i="1" u="sng" dirty="0"/>
               <a:t>について</a:t>
             </a:r>
-            <a:endParaRPr kumimoji="1" lang="ja-JP" altLang="en-US" sz="1400" i="1" u="sng" dirty="0"/>
-          </a:p>
-        </p:txBody>
-      </p:sp>
-      <p:sp>
-        <p:nvSpPr>
-          <p:cNvPr id="249" name="文本框 248"/>
+          </a:p>
+        </p:txBody>
+      </p:sp>
+      <p:sp>
+        <p:nvSpPr>
+          <p:cNvPr id="253" name="文本框 252"/>
           <p:cNvSpPr txBox="1"/>
           <p:nvPr/>
         </p:nvSpPr>
         <p:spPr>
           <a:xfrm>
-            <a:off x="3239212" y="3745192"/>
+            <a:off x="9984398" y="3579835"/>
             <a:ext cx="1358064" cy="307777"/>
           </a:xfrm>
           <a:prstGeom prst="rect">
@@ -7073,26 +6948,25 @@
           <a:lstStyle/>
           <a:p>
             <a:r>
-              <a:rPr kumimoji="1" lang="en-US" altLang="ja-JP" sz="1400" i="1" u="sng" dirty="0" smtClean="0"/>
+              <a:rPr kumimoji="1" lang="en-US" altLang="ja-JP" sz="1400" i="1" u="sng" dirty="0"/>
               <a:t>Azest</a:t>
             </a:r>
             <a:r>
-              <a:rPr kumimoji="1" lang="ja-JP" altLang="en-US" sz="1400" i="1" u="sng" dirty="0" smtClean="0"/>
+              <a:rPr kumimoji="1" lang="ja-JP" altLang="en-US" sz="1400" i="1" u="sng" dirty="0"/>
               <a:t>について</a:t>
             </a:r>
-            <a:endParaRPr kumimoji="1" lang="ja-JP" altLang="en-US" sz="1400" i="1" u="sng" dirty="0"/>
-          </a:p>
-        </p:txBody>
-      </p:sp>
-      <p:sp>
-        <p:nvSpPr>
-          <p:cNvPr id="252" name="文本框 251"/>
+          </a:p>
+        </p:txBody>
+      </p:sp>
+      <p:sp>
+        <p:nvSpPr>
+          <p:cNvPr id="254" name="文本框 253"/>
           <p:cNvSpPr txBox="1"/>
           <p:nvPr/>
         </p:nvSpPr>
         <p:spPr>
           <a:xfrm>
-            <a:off x="8904161" y="2395504"/>
+            <a:off x="9941133" y="4933822"/>
             <a:ext cx="1358064" cy="307777"/>
           </a:xfrm>
           <a:prstGeom prst="rect">
@@ -7107,27 +6981,26 @@
           <a:lstStyle/>
           <a:p>
             <a:r>
-              <a:rPr kumimoji="1" lang="en-US" altLang="ja-JP" sz="1400" i="1" u="sng" dirty="0" smtClean="0"/>
+              <a:rPr kumimoji="1" lang="en-US" altLang="ja-JP" sz="1400" i="1" u="sng" dirty="0"/>
               <a:t>Azest</a:t>
             </a:r>
             <a:r>
-              <a:rPr kumimoji="1" lang="ja-JP" altLang="en-US" sz="1400" i="1" u="sng" dirty="0" smtClean="0"/>
+              <a:rPr kumimoji="1" lang="ja-JP" altLang="en-US" sz="1400" i="1" u="sng" dirty="0"/>
               <a:t>について</a:t>
             </a:r>
-            <a:endParaRPr kumimoji="1" lang="ja-JP" altLang="en-US" sz="1400" i="1" u="sng" dirty="0"/>
-          </a:p>
-        </p:txBody>
-      </p:sp>
-      <p:sp>
-        <p:nvSpPr>
-          <p:cNvPr id="253" name="文本框 252"/>
+          </a:p>
+        </p:txBody>
+      </p:sp>
+      <p:sp>
+        <p:nvSpPr>
+          <p:cNvPr id="255" name="文本框 254"/>
           <p:cNvSpPr txBox="1"/>
           <p:nvPr/>
         </p:nvSpPr>
         <p:spPr>
           <a:xfrm>
-            <a:off x="9984398" y="3579835"/>
-            <a:ext cx="1358064" cy="307777"/>
+            <a:off x="9972282" y="3205261"/>
+            <a:ext cx="1266693" cy="307777"/>
           </a:xfrm>
           <a:prstGeom prst="rect">
             <a:avLst/>
@@ -7141,27 +7014,26 @@
           <a:lstStyle/>
           <a:p>
             <a:r>
-              <a:rPr kumimoji="1" lang="en-US" altLang="ja-JP" sz="1400" i="1" u="sng" dirty="0" smtClean="0"/>
-              <a:t>Azest</a:t>
-            </a:r>
-            <a:r>
-              <a:rPr kumimoji="1" lang="ja-JP" altLang="en-US" sz="1400" i="1" u="sng" dirty="0" smtClean="0"/>
+              <a:rPr kumimoji="1" lang="en-US" altLang="ja-JP" sz="1400" i="1" u="sng" dirty="0"/>
+              <a:t>CEO</a:t>
+            </a:r>
+            <a:r>
+              <a:rPr kumimoji="1" lang="ja-JP" altLang="en-US" sz="1400" i="1" u="sng" dirty="0"/>
               <a:t>について</a:t>
             </a:r>
-            <a:endParaRPr kumimoji="1" lang="ja-JP" altLang="en-US" sz="1400" i="1" u="sng" dirty="0"/>
-          </a:p>
-        </p:txBody>
-      </p:sp>
-      <p:sp>
-        <p:nvSpPr>
-          <p:cNvPr id="254" name="文本框 253"/>
+          </a:p>
+        </p:txBody>
+      </p:sp>
+      <p:sp>
+        <p:nvSpPr>
+          <p:cNvPr id="256" name="文本框 255"/>
           <p:cNvSpPr txBox="1"/>
           <p:nvPr/>
         </p:nvSpPr>
         <p:spPr>
           <a:xfrm>
-            <a:off x="9941133" y="4933822"/>
-            <a:ext cx="1358064" cy="307777"/>
+            <a:off x="9969098" y="4570445"/>
+            <a:ext cx="1266693" cy="307777"/>
           </a:xfrm>
           <a:prstGeom prst="rect">
             <a:avLst/>
@@ -7175,27 +7047,26 @@
           <a:lstStyle/>
           <a:p>
             <a:r>
-              <a:rPr kumimoji="1" lang="en-US" altLang="ja-JP" sz="1400" i="1" u="sng" dirty="0" smtClean="0"/>
-              <a:t>Azest</a:t>
-            </a:r>
-            <a:r>
-              <a:rPr kumimoji="1" lang="ja-JP" altLang="en-US" sz="1400" i="1" u="sng" dirty="0" smtClean="0"/>
+              <a:rPr kumimoji="1" lang="en-US" altLang="ja-JP" sz="1400" i="1" u="sng" dirty="0"/>
+              <a:t>CEO</a:t>
+            </a:r>
+            <a:r>
+              <a:rPr kumimoji="1" lang="ja-JP" altLang="en-US" sz="1400" i="1" u="sng" dirty="0"/>
               <a:t>について</a:t>
             </a:r>
-            <a:endParaRPr kumimoji="1" lang="ja-JP" altLang="en-US" sz="1400" i="1" u="sng" dirty="0"/>
-          </a:p>
-        </p:txBody>
-      </p:sp>
-      <p:sp>
-        <p:nvSpPr>
-          <p:cNvPr id="255" name="文本框 254"/>
+          </a:p>
+        </p:txBody>
+      </p:sp>
+      <p:sp>
+        <p:nvSpPr>
+          <p:cNvPr id="258" name="文本框 257"/>
           <p:cNvSpPr txBox="1"/>
           <p:nvPr/>
         </p:nvSpPr>
         <p:spPr>
           <a:xfrm>
-            <a:off x="9972282" y="3205261"/>
-            <a:ext cx="1266693" cy="307777"/>
+            <a:off x="3296978" y="5717360"/>
+            <a:ext cx="867545" cy="307777"/>
           </a:xfrm>
           <a:prstGeom prst="rect">
             <a:avLst/>
@@ -7209,12 +7080,8 @@
           <a:lstStyle/>
           <a:p>
             <a:r>
-              <a:rPr kumimoji="1" lang="en-US" altLang="ja-JP" sz="1400" i="1" u="sng" dirty="0" smtClean="0"/>
-              <a:t>CEO</a:t>
-            </a:r>
-            <a:r>
-              <a:rPr kumimoji="1" lang="ja-JP" altLang="en-US" sz="1400" i="1" u="sng" dirty="0" smtClean="0"/>
-              <a:t>について</a:t>
+              <a:rPr kumimoji="1" lang="en-US" altLang="ja-JP" sz="1400" i="1" u="sng" dirty="0"/>
+              <a:t>Bye-bye</a:t>
             </a:r>
             <a:endParaRPr kumimoji="1" lang="ja-JP" altLang="en-US" sz="1400" i="1" u="sng" dirty="0"/>
           </a:p>
@@ -7222,14 +7089,14 @@
       </p:sp>
       <p:sp>
         <p:nvSpPr>
-          <p:cNvPr id="256" name="文本框 255"/>
+          <p:cNvPr id="259" name="文本框 258"/>
           <p:cNvSpPr txBox="1"/>
           <p:nvPr/>
         </p:nvSpPr>
         <p:spPr>
           <a:xfrm>
-            <a:off x="9969098" y="4570445"/>
-            <a:ext cx="1266693" cy="307777"/>
+            <a:off x="9510044" y="5729757"/>
+            <a:ext cx="867545" cy="307777"/>
           </a:xfrm>
           <a:prstGeom prst="rect">
             <a:avLst/>
@@ -7243,71 +7110,7 @@
           <a:lstStyle/>
           <a:p>
             <a:r>
-              <a:rPr kumimoji="1" lang="en-US" altLang="ja-JP" sz="1400" i="1" u="sng" dirty="0" smtClean="0"/>
-              <a:t>CEO</a:t>
-            </a:r>
-            <a:r>
-              <a:rPr kumimoji="1" lang="ja-JP" altLang="en-US" sz="1400" i="1" u="sng" dirty="0" smtClean="0"/>
-              <a:t>について</a:t>
-            </a:r>
-            <a:endParaRPr kumimoji="1" lang="ja-JP" altLang="en-US" sz="1400" i="1" u="sng" dirty="0"/>
-          </a:p>
-        </p:txBody>
-      </p:sp>
-      <p:sp>
-        <p:nvSpPr>
-          <p:cNvPr id="258" name="文本框 257"/>
-          <p:cNvSpPr txBox="1"/>
-          <p:nvPr/>
-        </p:nvSpPr>
-        <p:spPr>
-          <a:xfrm>
-            <a:off x="3296978" y="5717360"/>
-            <a:ext cx="867545" cy="307777"/>
-          </a:xfrm>
-          <a:prstGeom prst="rect">
-            <a:avLst/>
-          </a:prstGeom>
-          <a:noFill/>
-        </p:spPr>
-        <p:txBody>
-          <a:bodyPr wrap="none" rtlCol="0">
-            <a:spAutoFit/>
-          </a:bodyPr>
-          <a:lstStyle/>
-          <a:p>
-            <a:r>
-              <a:rPr kumimoji="1" lang="en-US" altLang="ja-JP" sz="1400" i="1" u="sng" dirty="0" smtClean="0"/>
-              <a:t>Bye-bye</a:t>
-            </a:r>
-            <a:endParaRPr kumimoji="1" lang="ja-JP" altLang="en-US" sz="1400" i="1" u="sng" dirty="0"/>
-          </a:p>
-        </p:txBody>
-      </p:sp>
-      <p:sp>
-        <p:nvSpPr>
-          <p:cNvPr id="259" name="文本框 258"/>
-          <p:cNvSpPr txBox="1"/>
-          <p:nvPr/>
-        </p:nvSpPr>
-        <p:spPr>
-          <a:xfrm>
-            <a:off x="9510044" y="5729757"/>
-            <a:ext cx="867545" cy="307777"/>
-          </a:xfrm>
-          <a:prstGeom prst="rect">
-            <a:avLst/>
-          </a:prstGeom>
-          <a:noFill/>
-        </p:spPr>
-        <p:txBody>
-          <a:bodyPr wrap="none" rtlCol="0">
-            <a:spAutoFit/>
-          </a:bodyPr>
-          <a:lstStyle/>
-          <a:p>
-            <a:r>
-              <a:rPr kumimoji="1" lang="en-US" altLang="ja-JP" sz="1400" i="1" u="sng" dirty="0" smtClean="0"/>
+              <a:rPr kumimoji="1" lang="en-US" altLang="ja-JP" sz="1400" i="1" u="sng" dirty="0"/>
               <a:t>Bye-bye</a:t>
             </a:r>
             <a:endParaRPr kumimoji="1" lang="ja-JP" altLang="en-US" sz="1400" i="1" u="sng" dirty="0"/>
@@ -7392,14 +7195,13 @@
           <a:lstStyle/>
           <a:p>
             <a:r>
-              <a:rPr kumimoji="1" lang="en-US" altLang="ja-JP" sz="1100" dirty="0" smtClean="0"/>
+              <a:rPr kumimoji="1" lang="en-US" altLang="ja-JP" sz="1100" dirty="0"/>
               <a:t>Firebase Functions</a:t>
             </a:r>
             <a:r>
-              <a:rPr kumimoji="1" lang="ja-JP" altLang="en-US" sz="1100" dirty="0" smtClean="0"/>
+              <a:rPr kumimoji="1" lang="ja-JP" altLang="en-US" sz="1100" dirty="0"/>
               <a:t>開発</a:t>
             </a:r>
-            <a:endParaRPr kumimoji="1" lang="ja-JP" altLang="en-US" sz="1100" dirty="0"/>
           </a:p>
         </p:txBody>
       </p:sp>
@@ -7411,7 +7213,7 @@
         </p:nvSpPr>
         <p:spPr>
           <a:xfrm>
-            <a:off x="10864062" y="1583917"/>
+            <a:off x="10861196" y="1645980"/>
             <a:ext cx="707623" cy="1302530"/>
           </a:xfrm>
           <a:prstGeom prst="ellipse">
@@ -7461,7 +7263,7 @@
         </p:nvCxnSpPr>
         <p:spPr>
           <a:xfrm flipH="1">
-            <a:off x="11287549" y="1413245"/>
+            <a:off x="11287549" y="1501981"/>
             <a:ext cx="188290" cy="318487"/>
           </a:xfrm>
           <a:prstGeom prst="straightConnector1">
@@ -7494,7 +7296,7 @@
         </p:nvSpPr>
         <p:spPr>
           <a:xfrm>
-            <a:off x="10694647" y="1156803"/>
+            <a:off x="10694647" y="1245539"/>
             <a:ext cx="1374094" cy="261610"/>
           </a:xfrm>
           <a:prstGeom prst="rect">
@@ -7509,19 +7311,19 @@
           <a:lstStyle/>
           <a:p>
             <a:r>
-              <a:rPr lang="en-US" altLang="ja-JP" sz="1100" dirty="0" smtClean="0"/>
+              <a:rPr lang="en-US" altLang="ja-JP" sz="1100" dirty="0"/>
               <a:t>※</a:t>
             </a:r>
             <a:r>
-              <a:rPr lang="ja-JP" altLang="en-US" sz="1100" dirty="0" smtClean="0"/>
+              <a:rPr lang="ja-JP" altLang="en-US" sz="1100" dirty="0"/>
               <a:t>状態を</a:t>
             </a:r>
             <a:r>
-              <a:rPr lang="en-US" altLang="ja-JP" sz="1100" dirty="0" smtClean="0"/>
+              <a:rPr lang="en-US" altLang="ja-JP" sz="1100" dirty="0"/>
               <a:t>DB</a:t>
             </a:r>
             <a:r>
-              <a:rPr lang="ja-JP" altLang="en-US" sz="1100" dirty="0" smtClean="0"/>
+              <a:rPr lang="ja-JP" altLang="en-US" sz="1100" dirty="0"/>
               <a:t>に保存</a:t>
             </a:r>
             <a:endParaRPr kumimoji="1" lang="ja-JP" altLang="en-US" sz="1100" dirty="0"/>
@@ -7551,24 +7353,20 @@
           <a:p>
             <a:pPr algn="ctr"/>
             <a:r>
-              <a:rPr lang="en-US" altLang="ja-JP" sz="1100" i="1" dirty="0" smtClean="0"/>
+              <a:rPr lang="en-US" altLang="ja-JP" sz="1100" i="1" dirty="0"/>
               <a:t>DB</a:t>
             </a:r>
             <a:r>
-              <a:rPr lang="ja-JP" altLang="en-US" sz="1100" i="1" dirty="0" smtClean="0"/>
+              <a:rPr lang="ja-JP" altLang="en-US" sz="1100" i="1" dirty="0"/>
               <a:t>に</a:t>
             </a:r>
-            <a:endParaRPr lang="en-US" altLang="ja-JP" sz="1100" i="1" dirty="0" smtClean="0"/>
+            <a:endParaRPr lang="en-US" altLang="ja-JP" sz="1100" i="1" dirty="0"/>
           </a:p>
           <a:p>
             <a:pPr algn="ctr"/>
             <a:r>
-              <a:rPr lang="ja-JP" altLang="en-US" sz="1100" i="1" dirty="0" smtClean="0"/>
-              <a:t>状態</a:t>
-            </a:r>
-            <a:r>
               <a:rPr lang="ja-JP" altLang="en-US" sz="1100" i="1" dirty="0"/>
-              <a:t>判断</a:t>
+              <a:t>状態判断</a:t>
             </a:r>
           </a:p>
         </p:txBody>
@@ -7596,24 +7394,107 @@
           <a:p>
             <a:pPr algn="ctr"/>
             <a:r>
-              <a:rPr lang="en-US" altLang="ja-JP" sz="1100" i="1" dirty="0" smtClean="0"/>
+              <a:rPr lang="en-US" altLang="ja-JP" sz="1100" i="1" dirty="0"/>
               <a:t>DB</a:t>
             </a:r>
             <a:r>
-              <a:rPr lang="ja-JP" altLang="en-US" sz="1100" i="1" dirty="0" smtClean="0"/>
+              <a:rPr lang="ja-JP" altLang="en-US" sz="1100" i="1" dirty="0"/>
               <a:t>に</a:t>
             </a:r>
-            <a:endParaRPr lang="en-US" altLang="ja-JP" sz="1100" i="1" dirty="0" smtClean="0"/>
+            <a:endParaRPr lang="en-US" altLang="ja-JP" sz="1100" i="1" dirty="0"/>
           </a:p>
           <a:p>
             <a:pPr algn="ctr"/>
             <a:r>
-              <a:rPr lang="ja-JP" altLang="en-US" sz="1100" i="1" dirty="0" smtClean="0"/>
-              <a:t>状態</a:t>
-            </a:r>
-            <a:r>
               <a:rPr lang="ja-JP" altLang="en-US" sz="1100" i="1" dirty="0"/>
-              <a:t>判断</a:t>
+              <a:t>状態判断</a:t>
+            </a:r>
+          </a:p>
+        </p:txBody>
+      </p:sp>
+      <p:cxnSp>
+        <p:nvCxnSpPr>
+          <p:cNvPr id="225" name="直線矢印コネクタ 224">
+            <a:extLst>
+              <a:ext uri="{FF2B5EF4-FFF2-40B4-BE49-F238E27FC236}">
+                <a16:creationId xmlns:a16="http://schemas.microsoft.com/office/drawing/2014/main" id="{6F0599CD-777A-4EB1-AA21-D0FED75FCAA1}"/>
+              </a:ext>
+            </a:extLst>
+          </p:cNvPr>
+          <p:cNvCxnSpPr>
+            <a:cxnSpLocks/>
+            <a:stCxn id="136" idx="3"/>
+            <a:endCxn id="229" idx="1"/>
+          </p:cNvCxnSpPr>
+          <p:nvPr/>
+        </p:nvCxnSpPr>
+        <p:spPr>
+          <a:xfrm>
+            <a:off x="7745374" y="2203437"/>
+            <a:ext cx="691644" cy="0"/>
+          </a:xfrm>
+          <a:prstGeom prst="straightConnector1">
+            <a:avLst/>
+          </a:prstGeom>
+          <a:ln>
+            <a:solidFill>
+              <a:schemeClr val="bg1">
+                <a:lumMod val="65000"/>
+              </a:schemeClr>
+            </a:solidFill>
+            <a:tailEnd type="triangle"/>
+          </a:ln>
+        </p:spPr>
+        <p:style>
+          <a:lnRef idx="1">
+            <a:schemeClr val="accent1"/>
+          </a:lnRef>
+          <a:fillRef idx="0">
+            <a:schemeClr val="accent1"/>
+          </a:fillRef>
+          <a:effectRef idx="0">
+            <a:schemeClr val="accent1"/>
+          </a:effectRef>
+          <a:fontRef idx="minor">
+            <a:schemeClr val="tx1"/>
+          </a:fontRef>
+        </p:style>
+      </p:cxnSp>
+      <p:sp>
+        <p:nvSpPr>
+          <p:cNvPr id="111" name="文本框 242">
+            <a:extLst>
+              <a:ext uri="{FF2B5EF4-FFF2-40B4-BE49-F238E27FC236}">
+                <a16:creationId xmlns:a16="http://schemas.microsoft.com/office/drawing/2014/main" id="{2C6CE889-8587-4254-A13C-02C33C618D15}"/>
+              </a:ext>
+            </a:extLst>
+          </p:cNvPr>
+          <p:cNvSpPr txBox="1"/>
+          <p:nvPr/>
+        </p:nvSpPr>
+        <p:spPr>
+          <a:xfrm>
+            <a:off x="8451228" y="1571413"/>
+            <a:ext cx="1167307" cy="307777"/>
+          </a:xfrm>
+          <a:prstGeom prst="rect">
+            <a:avLst/>
+          </a:prstGeom>
+          <a:noFill/>
+        </p:spPr>
+        <p:txBody>
+          <a:bodyPr wrap="none" rtlCol="0">
+            <a:spAutoFit/>
+          </a:bodyPr>
+          <a:lstStyle/>
+          <a:p>
+            <a:r>
+              <a:rPr kumimoji="1" lang="en-US" altLang="ja-JP" sz="1400" i="1" u="sng" dirty="0"/>
+              <a:t>xxx</a:t>
+            </a:r>
+            <a:r>
+              <a:rPr kumimoji="1" lang="ja-JP" altLang="en-US" sz="1400" i="1" u="sng" dirty="0"/>
+              <a:t>について</a:t>
             </a:r>
           </a:p>
         </p:txBody>
